--- a/Notes/RP-0 Official Parts Tech Tree Spreadsheet Information.pptx
+++ b/Notes/RP-0 Official Parts Tech Tree Spreadsheet Information.pptx
@@ -32,7 +32,7 @@
     <p:sldId id="280" r:id="rId26"/>
   </p:sldIdLst>
   <p:sldSz cx="9144000" cy="6858000" type="letter"/>
-  <p:notesSz cx="6858000" cy="9144000"/>
+  <p:notesSz cx="7315200" cy="9601200"/>
   <p:defaultTextStyle>
     <a:defPPr>
       <a:defRPr lang="en-US"/>
